--- a/DOC/4, Spring FrameWork/Spring Doc by Sherlock/3. [Spring] Spring Bean.pptx
+++ b/DOC/4, Spring FrameWork/Spring Doc by Sherlock/3. [Spring] Spring Bean.pptx
@@ -235,7 +235,7 @@
           <a:p>
             <a:fld id="{57BF1C7C-30AB-4920-B892-D59D8900ACC9}" type="datetimeFigureOut">
               <a:rPr lang="ko-KR" altLang="en-US" smtClean="0"/>
-              <a:t>2022-03-27</a:t>
+              <a:t>2022-03-29</a:t>
             </a:fld>
             <a:endParaRPr lang="ko-KR" altLang="en-US"/>
           </a:p>
@@ -1254,7 +1254,7 @@
         <p:spPr>
           <a:xfrm>
             <a:off x="251520" y="536487"/>
-            <a:ext cx="4752756" cy="3477875"/>
+            <a:ext cx="4752756" cy="3631763"/>
           </a:xfrm>
           <a:prstGeom prst="rect">
             <a:avLst/>
@@ -1317,7 +1317,7 @@
                 <a:latin typeface="Calibri" panose="020F0502020204030204" pitchFamily="34" charset="0"/>
                 <a:cs typeface="Calibri" panose="020F0502020204030204" pitchFamily="34" charset="0"/>
               </a:rPr>
-              <a:t>class JAVA POJO nào cũng có thể là Spring bean</a:t>
+              <a:t>class JAVA POJO (Plain old Java Object) nào cũng có thể là Spring bean</a:t>
             </a:r>
             <a:r>
               <a:rPr lang="en-US" sz="1000">
@@ -1953,6 +1953,58 @@
             <a:xfrm>
               <a:off x="2778285" y="1838681"/>
               <a:ext cx="2016224" cy="144016"/>
+            </a:xfrm>
+            <a:prstGeom prst="rect">
+              <a:avLst/>
+            </a:prstGeom>
+            <a:noFill/>
+            <a:ln w="28575">
+              <a:solidFill>
+                <a:srgbClr val="FF0000"/>
+              </a:solidFill>
+            </a:ln>
+          </p:spPr>
+          <p:style>
+            <a:lnRef idx="2">
+              <a:schemeClr val="accent1">
+                <a:shade val="50000"/>
+              </a:schemeClr>
+            </a:lnRef>
+            <a:fillRef idx="1">
+              <a:schemeClr val="accent1"/>
+            </a:fillRef>
+            <a:effectRef idx="0">
+              <a:schemeClr val="accent1"/>
+            </a:effectRef>
+            <a:fontRef idx="minor">
+              <a:schemeClr val="lt1"/>
+            </a:fontRef>
+          </p:style>
+          <p:txBody>
+            <a:bodyPr rtlCol="0" anchor="ctr"/>
+            <a:lstStyle/>
+            <a:p>
+              <a:pPr algn="ctr"/>
+              <a:endParaRPr lang="en-US"/>
+            </a:p>
+          </p:txBody>
+        </p:sp>
+        <p:sp>
+          <p:nvSpPr>
+            <p:cNvPr id="11" name="Rectangle 10">
+              <a:extLst>
+                <a:ext uri="{FF2B5EF4-FFF2-40B4-BE49-F238E27FC236}">
+                  <a16:creationId xmlns:a16="http://schemas.microsoft.com/office/drawing/2014/main" id="{6E334182-C227-476F-97F3-A06923DCD1F0}"/>
+                </a:ext>
+              </a:extLst>
+            </p:cNvPr>
+            <p:cNvSpPr/>
+            <p:nvPr/>
+          </p:nvSpPr>
+          <p:spPr>
+            <a:xfrm>
+              <a:off x="395536" y="1166677"/>
+              <a:ext cx="2016224" cy="348251"/>
             </a:xfrm>
             <a:prstGeom prst="rect">
               <a:avLst/>
